--- a/ENCONTRO_0/0_Criar_Ambiente_Virtual.pptx
+++ b/ENCONTRO_0/0_Criar_Ambiente_Virtual.pptx
@@ -3406,9 +3406,30 @@
           <a:lstStyle/>
           <a:p>
             <a:r>
-              <a:rPr lang="en-US" dirty="0"/>
-              <a:t>conda env create -n ENV_MENTORIA -f env_mentoria.yml</a:t>
-            </a:r>
+              <a:rPr lang="pt-BR" dirty="0"/>
+              <a:t>conda </a:t>
+            </a:r>
+            <a:r>
+              <a:rPr lang="pt-BR" dirty="0" err="1"/>
+              <a:t>env</a:t>
+            </a:r>
+            <a:r>
+              <a:rPr lang="pt-BR" dirty="0"/>
+              <a:t> </a:t>
+            </a:r>
+            <a:r>
+              <a:rPr lang="pt-BR" dirty="0" err="1"/>
+              <a:t>create</a:t>
+            </a:r>
+            <a:r>
+              <a:rPr lang="pt-BR" dirty="0"/>
+              <a:t> -f </a:t>
+            </a:r>
+            <a:r>
+              <a:rPr lang="pt-BR" dirty="0" err="1"/>
+              <a:t>env_mentoria.yml</a:t>
+            </a:r>
+            <a:endParaRPr lang="pt-BR" dirty="0"/>
           </a:p>
         </p:txBody>
       </p:sp>
@@ -3649,10 +3670,9 @@
           <a:lstStyle/>
           <a:p>
             <a:r>
-              <a:rPr lang="en-US"/>
+              <a:rPr lang="en-US" dirty="0"/>
               <a:t>conda activate ENV_MENTORIA</a:t>
             </a:r>
-            <a:endParaRPr lang="en-US" dirty="0"/>
           </a:p>
         </p:txBody>
       </p:sp>
